--- a/Week00 Team7 presentation.pptx
+++ b/Week00 Team7 presentation.pptx
@@ -5821,7 +5821,7 @@
             </a:pPr>
             <a:r>
               <a:rPr lang="en-US" dirty="0"/>
-              <a:t>Resolving various conflicts in private branches,</a:t>
+              <a:t>Resolving various conflicts in private branches</a:t>
             </a:r>
             <a:endParaRPr dirty="0"/>
           </a:p>

--- a/Week00 Team7 presentation.pptx
+++ b/Week00 Team7 presentation.pptx
@@ -260,6 +260,11 @@
       </a:defRPr>
     </a:lvl9pPr>
   </p:defaultTextStyle>
+  <p:extLst>
+    <p:ext uri="{EFAFB233-063F-42B5-8137-9DF3F51BA10A}">
+      <p15:sldGuideLst xmlns:p15="http://schemas.microsoft.com/office/powerpoint/2012/main"/>
+    </p:ext>
+  </p:extLst>
 </p:presentation>
 </file>
 
@@ -891,6 +896,305 @@
           </a:bodyPr>
           <a:lstStyle/>
           <a:p>
+            <a:pPr algn="l"/>
+            <a:r>
+              <a:rPr lang="ko-KR" altLang="en-US" b="0" i="0" dirty="0">
+                <a:solidFill>
+                  <a:srgbClr val="E6EDF3"/>
+                </a:solidFill>
+                <a:effectLst/>
+                <a:latin typeface="+mj-lt"/>
+              </a:rPr>
+              <a:t>본 리포지토리는 </a:t>
+            </a:r>
+            <a:r>
+              <a:rPr lang="en" altLang="ko-Kore-KR" b="0" i="0" dirty="0" err="1">
+                <a:solidFill>
+                  <a:srgbClr val="E6EDF3"/>
+                </a:solidFill>
+                <a:effectLst/>
+                <a:latin typeface="+mj-lt"/>
+              </a:rPr>
+              <a:t>openai</a:t>
+            </a:r>
+            <a:r>
+              <a:rPr lang="en" altLang="ko-Kore-KR" b="0" i="0" dirty="0">
+                <a:solidFill>
+                  <a:srgbClr val="E6EDF3"/>
+                </a:solidFill>
+                <a:effectLst/>
+                <a:latin typeface="+mj-lt"/>
+              </a:rPr>
+              <a:t> API</a:t>
+            </a:r>
+            <a:r>
+              <a:rPr lang="ko-KR" altLang="en-US" b="0" i="0" dirty="0" err="1">
+                <a:solidFill>
+                  <a:srgbClr val="E6EDF3"/>
+                </a:solidFill>
+                <a:effectLst/>
+                <a:latin typeface="+mj-lt"/>
+              </a:rPr>
+              <a:t>를</a:t>
+            </a:r>
+            <a:r>
+              <a:rPr lang="ko-KR" altLang="en-US" b="0" i="0" dirty="0">
+                <a:solidFill>
+                  <a:srgbClr val="E6EDF3"/>
+                </a:solidFill>
+                <a:effectLst/>
+                <a:latin typeface="+mj-lt"/>
+              </a:rPr>
+              <a:t> 사용하여 사용자에게 적합한 명상 세션을 도와주는 </a:t>
+            </a:r>
+            <a:r>
+              <a:rPr lang="ko-KR" altLang="en-US" b="0" i="0" dirty="0" err="1">
+                <a:solidFill>
+                  <a:srgbClr val="E6EDF3"/>
+                </a:solidFill>
+                <a:effectLst/>
+                <a:latin typeface="+mj-lt"/>
+              </a:rPr>
+              <a:t>챗봇을</a:t>
+            </a:r>
+            <a:r>
+              <a:rPr lang="ko-KR" altLang="en-US" b="0" i="0" dirty="0">
+                <a:solidFill>
+                  <a:srgbClr val="E6EDF3"/>
+                </a:solidFill>
+                <a:effectLst/>
+                <a:latin typeface="+mj-lt"/>
+              </a:rPr>
+              <a:t> 구현한 서비스입니다</a:t>
+            </a:r>
+            <a:r>
+              <a:rPr lang="en-US" altLang="ko-KR" b="0" i="0" dirty="0">
+                <a:solidFill>
+                  <a:srgbClr val="E6EDF3"/>
+                </a:solidFill>
+                <a:effectLst/>
+                <a:latin typeface="+mj-lt"/>
+              </a:rPr>
+              <a:t>.</a:t>
+            </a:r>
+          </a:p>
+          <a:p>
+            <a:pPr algn="l"/>
+            <a:r>
+              <a:rPr lang="ko-KR" altLang="en-US" b="0" i="0" dirty="0" err="1">
+                <a:solidFill>
+                  <a:srgbClr val="E6EDF3"/>
+                </a:solidFill>
+                <a:effectLst/>
+                <a:latin typeface="+mj-lt"/>
+              </a:rPr>
+              <a:t>챗봇은</a:t>
+            </a:r>
+            <a:r>
+              <a:rPr lang="ko-KR" altLang="en-US" b="0" i="0" dirty="0">
+                <a:solidFill>
+                  <a:srgbClr val="E6EDF3"/>
+                </a:solidFill>
+                <a:effectLst/>
+                <a:latin typeface="+mj-lt"/>
+              </a:rPr>
+              <a:t> </a:t>
+            </a:r>
+            <a:r>
+              <a:rPr lang="ko-KR" altLang="en-US" b="0" i="0" dirty="0" err="1">
+                <a:solidFill>
+                  <a:srgbClr val="E6EDF3"/>
+                </a:solidFill>
+                <a:effectLst/>
+                <a:latin typeface="+mj-lt"/>
+              </a:rPr>
+              <a:t>로그한</a:t>
+            </a:r>
+            <a:r>
+              <a:rPr lang="ko-KR" altLang="en-US" b="0" i="0" dirty="0">
+                <a:solidFill>
+                  <a:srgbClr val="E6EDF3"/>
+                </a:solidFill>
+                <a:effectLst/>
+                <a:latin typeface="+mj-lt"/>
+              </a:rPr>
+              <a:t> 유저에게 몇가지 질문을 던집니다</a:t>
+            </a:r>
+            <a:r>
+              <a:rPr lang="en-US" altLang="ko-KR" b="0" i="0" dirty="0">
+                <a:solidFill>
+                  <a:srgbClr val="E6EDF3"/>
+                </a:solidFill>
+                <a:effectLst/>
+                <a:latin typeface="+mj-lt"/>
+              </a:rPr>
+              <a:t>. "</a:t>
+            </a:r>
+            <a:r>
+              <a:rPr lang="ko-KR" altLang="en-US" b="0" i="0" dirty="0" err="1">
+                <a:solidFill>
+                  <a:srgbClr val="E6EDF3"/>
+                </a:solidFill>
+                <a:effectLst/>
+                <a:latin typeface="+mj-lt"/>
+              </a:rPr>
+              <a:t>당신의가장</a:t>
+            </a:r>
+            <a:r>
+              <a:rPr lang="ko-KR" altLang="en-US" b="0" i="0" dirty="0">
+                <a:solidFill>
+                  <a:srgbClr val="E6EDF3"/>
+                </a:solidFill>
+                <a:effectLst/>
+                <a:latin typeface="+mj-lt"/>
+              </a:rPr>
+              <a:t> 현재 상태가 어떻게 됩니까</a:t>
+            </a:r>
+            <a:r>
+              <a:rPr lang="en-US" altLang="ko-KR" b="0" i="0" dirty="0">
+                <a:solidFill>
+                  <a:srgbClr val="E6EDF3"/>
+                </a:solidFill>
+                <a:effectLst/>
+                <a:latin typeface="+mj-lt"/>
+              </a:rPr>
+              <a:t>?", "</a:t>
+            </a:r>
+            <a:r>
+              <a:rPr lang="ko-KR" altLang="en-US" b="0" i="0" dirty="0">
+                <a:solidFill>
+                  <a:srgbClr val="E6EDF3"/>
+                </a:solidFill>
+                <a:effectLst/>
+                <a:latin typeface="+mj-lt"/>
+              </a:rPr>
+              <a:t>당신이 현재 이루고자 하는 목표가 있습니까</a:t>
+            </a:r>
+            <a:r>
+              <a:rPr lang="en-US" altLang="ko-KR" b="0" i="0" dirty="0">
+                <a:solidFill>
+                  <a:srgbClr val="E6EDF3"/>
+                </a:solidFill>
+                <a:effectLst/>
+                <a:latin typeface="+mj-lt"/>
+              </a:rPr>
+              <a:t>?" </a:t>
+            </a:r>
+            <a:r>
+              <a:rPr lang="ko-KR" altLang="en-US" b="0" i="0" dirty="0">
+                <a:solidFill>
+                  <a:srgbClr val="E6EDF3"/>
+                </a:solidFill>
+                <a:effectLst/>
+                <a:latin typeface="+mj-lt"/>
+              </a:rPr>
+              <a:t>사용자는 그에 따른 응답을 제공할 수 있으며</a:t>
+            </a:r>
+            <a:r>
+              <a:rPr lang="en-US" altLang="ko-KR" b="0" i="0" dirty="0">
+                <a:solidFill>
+                  <a:srgbClr val="E6EDF3"/>
+                </a:solidFill>
+                <a:effectLst/>
+                <a:latin typeface="+mj-lt"/>
+              </a:rPr>
+              <a:t>, </a:t>
+            </a:r>
+            <a:r>
+              <a:rPr lang="ko-KR" altLang="en-US" b="0" i="0" dirty="0">
+                <a:solidFill>
+                  <a:srgbClr val="E6EDF3"/>
+                </a:solidFill>
+                <a:effectLst/>
+                <a:latin typeface="+mj-lt"/>
+              </a:rPr>
+              <a:t>이를 기반으로 </a:t>
+            </a:r>
+            <a:r>
+              <a:rPr lang="ko-KR" altLang="en-US" b="0" i="0" dirty="0" err="1">
+                <a:solidFill>
+                  <a:srgbClr val="E6EDF3"/>
+                </a:solidFill>
+                <a:effectLst/>
+                <a:latin typeface="+mj-lt"/>
+              </a:rPr>
+              <a:t>챗봇은</a:t>
+            </a:r>
+            <a:r>
+              <a:rPr lang="ko-KR" altLang="en-US" b="0" i="0" dirty="0">
+                <a:solidFill>
+                  <a:srgbClr val="E6EDF3"/>
+                </a:solidFill>
+                <a:effectLst/>
+                <a:latin typeface="+mj-lt"/>
+              </a:rPr>
+              <a:t> 명상에 도움을 주는 음악과 명상법을 추천해줍니다</a:t>
+            </a:r>
+            <a:r>
+              <a:rPr lang="en-US" altLang="ko-KR" b="0" i="0" dirty="0">
+                <a:solidFill>
+                  <a:srgbClr val="E6EDF3"/>
+                </a:solidFill>
+                <a:effectLst/>
+                <a:latin typeface="+mj-lt"/>
+              </a:rPr>
+              <a:t>.</a:t>
+            </a:r>
+          </a:p>
+          <a:p>
+            <a:pPr algn="l"/>
+            <a:r>
+              <a:rPr lang="ko-KR" altLang="en-US" b="0" i="0" dirty="0" err="1">
+                <a:solidFill>
+                  <a:srgbClr val="E6EDF3"/>
+                </a:solidFill>
+                <a:effectLst/>
+                <a:latin typeface="+mj-lt"/>
+              </a:rPr>
+              <a:t>대화내역은</a:t>
+            </a:r>
+            <a:r>
+              <a:rPr lang="ko-KR" altLang="en-US" b="0" i="0" dirty="0">
+                <a:solidFill>
+                  <a:srgbClr val="E6EDF3"/>
+                </a:solidFill>
+                <a:effectLst/>
+                <a:latin typeface="+mj-lt"/>
+              </a:rPr>
+              <a:t> 데이터베이스에 기록되며</a:t>
+            </a:r>
+            <a:r>
+              <a:rPr lang="en-US" altLang="ko-KR" b="0" i="0" dirty="0">
+                <a:solidFill>
+                  <a:srgbClr val="E6EDF3"/>
+                </a:solidFill>
+                <a:effectLst/>
+                <a:latin typeface="+mj-lt"/>
+              </a:rPr>
+              <a:t>, </a:t>
+            </a:r>
+            <a:r>
+              <a:rPr lang="ko-KR" altLang="en-US" b="0" i="0" dirty="0">
+                <a:solidFill>
+                  <a:srgbClr val="E6EDF3"/>
+                </a:solidFill>
+                <a:effectLst/>
+                <a:latin typeface="+mj-lt"/>
+              </a:rPr>
+              <a:t>유저는 과거의 대화를 다시 읽거나 응답 재생성이 가능합니다</a:t>
+            </a:r>
+            <a:r>
+              <a:rPr lang="en-US" altLang="ko-KR" b="0" i="0" dirty="0">
+                <a:solidFill>
+                  <a:srgbClr val="E6EDF3"/>
+                </a:solidFill>
+                <a:effectLst/>
+                <a:latin typeface="+mj-lt"/>
+              </a:rPr>
+              <a:t>.</a:t>
+            </a:r>
+          </a:p>
+          <a:p>
             <a:pPr marL="0" lvl="0" indent="0" algn="l" rtl="0">
               <a:spcBef>
                 <a:spcPts val="0"/>
@@ -900,7 +1204,9 @@
               </a:spcAft>
               <a:buNone/>
             </a:pPr>
-            <a:endParaRPr/>
+            <a:endParaRPr dirty="0">
+              <a:latin typeface="+mj-lt"/>
+            </a:endParaRPr>
           </a:p>
         </p:txBody>
       </p:sp>
@@ -1004,7 +1310,7 @@
               </a:spcAft>
               <a:buNone/>
             </a:pPr>
-            <a:endParaRPr/>
+            <a:endParaRPr dirty="0"/>
           </a:p>
         </p:txBody>
       </p:sp>
@@ -1104,16 +1410,440 @@
           </a:bodyPr>
           <a:lstStyle/>
           <a:p>
-            <a:pPr marL="0" lvl="0" indent="0" algn="l" rtl="0">
-              <a:spcBef>
-                <a:spcPts val="0"/>
-              </a:spcBef>
-              <a:spcAft>
-                <a:spcPts val="0"/>
-              </a:spcAft>
-              <a:buNone/>
+            <a:pPr algn="l">
+              <a:buFont typeface="Arial" panose="020B0604020202020204" pitchFamily="34" charset="0"/>
+              <a:buChar char="•"/>
             </a:pPr>
-            <a:endParaRPr/>
+            <a:r>
+              <a:rPr lang="en" altLang="ko-Kore-KR" b="0" i="0" dirty="0">
+                <a:solidFill>
+                  <a:srgbClr val="E6EDF3"/>
+                </a:solidFill>
+                <a:effectLst/>
+                <a:latin typeface="+mj-lt"/>
+              </a:rPr>
+              <a:t>Backend</a:t>
+            </a:r>
+          </a:p>
+          <a:p>
+            <a:pPr marL="742950" lvl="1" indent="-285750" algn="l">
+              <a:buFont typeface="Arial" panose="020B0604020202020204" pitchFamily="34" charset="0"/>
+              <a:buChar char="•"/>
+            </a:pPr>
+            <a:r>
+              <a:rPr lang="en" altLang="ko-Kore-KR" b="0" i="0" dirty="0">
+                <a:solidFill>
+                  <a:srgbClr val="E6EDF3"/>
+                </a:solidFill>
+                <a:effectLst/>
+                <a:latin typeface="+mj-lt"/>
+              </a:rPr>
+              <a:t>flask: </a:t>
+            </a:r>
+            <a:r>
+              <a:rPr lang="ko-KR" altLang="en-US" b="0" i="0" dirty="0">
+                <a:solidFill>
+                  <a:srgbClr val="E6EDF3"/>
+                </a:solidFill>
+                <a:effectLst/>
+                <a:latin typeface="+mj-lt"/>
+              </a:rPr>
+              <a:t>웹 애플리케이션으로</a:t>
+            </a:r>
+            <a:r>
+              <a:rPr lang="en-US" altLang="ko-KR" b="0" i="0" dirty="0">
+                <a:solidFill>
+                  <a:srgbClr val="E6EDF3"/>
+                </a:solidFill>
+                <a:effectLst/>
+                <a:latin typeface="+mj-lt"/>
+              </a:rPr>
+              <a:t>, </a:t>
+            </a:r>
+            <a:r>
+              <a:rPr lang="ko-KR" altLang="en-US" b="0" i="0" dirty="0">
+                <a:solidFill>
+                  <a:srgbClr val="E6EDF3"/>
+                </a:solidFill>
+                <a:effectLst/>
+                <a:latin typeface="+mj-lt"/>
+              </a:rPr>
+              <a:t>동적 웹 페이지 로딩과 사용자 인증</a:t>
+            </a:r>
+            <a:r>
+              <a:rPr lang="en-US" altLang="ko-KR" b="0" i="0" dirty="0">
+                <a:solidFill>
+                  <a:srgbClr val="E6EDF3"/>
+                </a:solidFill>
+                <a:effectLst/>
+                <a:latin typeface="+mj-lt"/>
+              </a:rPr>
+              <a:t>, </a:t>
+            </a:r>
+            <a:r>
+              <a:rPr lang="en" altLang="ko-Kore-KR" b="0" i="0" dirty="0" err="1">
+                <a:solidFill>
+                  <a:srgbClr val="E6EDF3"/>
+                </a:solidFill>
+                <a:effectLst/>
+                <a:latin typeface="+mj-lt"/>
+              </a:rPr>
+              <a:t>openai</a:t>
+            </a:r>
+            <a:r>
+              <a:rPr lang="ko-KR" altLang="en-US" b="0" i="0" dirty="0" err="1">
+                <a:solidFill>
+                  <a:srgbClr val="E6EDF3"/>
+                </a:solidFill>
+                <a:effectLst/>
+                <a:latin typeface="+mj-lt"/>
+              </a:rPr>
+              <a:t>와의</a:t>
+            </a:r>
+            <a:r>
+              <a:rPr lang="ko-KR" altLang="en-US" b="0" i="0" dirty="0">
+                <a:solidFill>
+                  <a:srgbClr val="E6EDF3"/>
+                </a:solidFill>
+                <a:effectLst/>
+                <a:latin typeface="+mj-lt"/>
+              </a:rPr>
+              <a:t> 상호작용을 담당합니다</a:t>
+            </a:r>
+            <a:r>
+              <a:rPr lang="en-US" altLang="ko-KR" b="0" i="0" dirty="0">
+                <a:solidFill>
+                  <a:srgbClr val="E6EDF3"/>
+                </a:solidFill>
+                <a:effectLst/>
+                <a:latin typeface="+mj-lt"/>
+              </a:rPr>
+              <a:t>.</a:t>
+            </a:r>
+          </a:p>
+          <a:p>
+            <a:pPr marL="742950" lvl="1" indent="-285750" algn="l">
+              <a:buFont typeface="Arial" panose="020B0604020202020204" pitchFamily="34" charset="0"/>
+              <a:buChar char="•"/>
+            </a:pPr>
+            <a:r>
+              <a:rPr lang="en" altLang="ko-Kore-KR" b="0" i="0" dirty="0">
+                <a:solidFill>
+                  <a:srgbClr val="E6EDF3"/>
+                </a:solidFill>
+                <a:effectLst/>
+                <a:latin typeface="+mj-lt"/>
+              </a:rPr>
+              <a:t>MongoDB: </a:t>
+            </a:r>
+            <a:r>
+              <a:rPr lang="ko-KR" altLang="en-US" b="0" i="0" dirty="0" err="1">
+                <a:solidFill>
+                  <a:srgbClr val="E6EDF3"/>
+                </a:solidFill>
+                <a:effectLst/>
+                <a:latin typeface="+mj-lt"/>
+              </a:rPr>
+              <a:t>챗봇과의</a:t>
+            </a:r>
+            <a:r>
+              <a:rPr lang="ko-KR" altLang="en-US" b="0" i="0" dirty="0">
+                <a:solidFill>
+                  <a:srgbClr val="E6EDF3"/>
+                </a:solidFill>
+                <a:effectLst/>
+                <a:latin typeface="+mj-lt"/>
+              </a:rPr>
+              <a:t> 대화를 저장하고 추후에 다시 </a:t>
+            </a:r>
+            <a:r>
+              <a:rPr lang="ko-KR" altLang="en-US" b="0" i="0" dirty="0" err="1">
+                <a:solidFill>
+                  <a:srgbClr val="E6EDF3"/>
+                </a:solidFill>
+                <a:effectLst/>
+                <a:latin typeface="+mj-lt"/>
+              </a:rPr>
+              <a:t>로드하거나</a:t>
+            </a:r>
+            <a:r>
+              <a:rPr lang="ko-KR" altLang="en-US" b="0" i="0" dirty="0">
+                <a:solidFill>
+                  <a:srgbClr val="E6EDF3"/>
+                </a:solidFill>
+                <a:effectLst/>
+                <a:latin typeface="+mj-lt"/>
+              </a:rPr>
+              <a:t> 답변 </a:t>
+            </a:r>
+            <a:r>
+              <a:rPr lang="en" altLang="ko-Kore-KR" b="0" i="0" dirty="0">
+                <a:solidFill>
+                  <a:srgbClr val="E6EDF3"/>
+                </a:solidFill>
+                <a:effectLst/>
+                <a:latin typeface="+mj-lt"/>
+              </a:rPr>
+              <a:t>regeneration</a:t>
+            </a:r>
+            <a:r>
+              <a:rPr lang="ko-KR" altLang="en-US" b="0" i="0" dirty="0">
+                <a:solidFill>
+                  <a:srgbClr val="E6EDF3"/>
+                </a:solidFill>
+                <a:effectLst/>
+                <a:latin typeface="+mj-lt"/>
+              </a:rPr>
+              <a:t>을 통한 데이터 수정을 담당합니다</a:t>
+            </a:r>
+            <a:r>
+              <a:rPr lang="en-US" altLang="ko-KR" b="0" i="0" dirty="0">
+                <a:solidFill>
+                  <a:srgbClr val="E6EDF3"/>
+                </a:solidFill>
+                <a:effectLst/>
+                <a:latin typeface="+mj-lt"/>
+              </a:rPr>
+              <a:t>.</a:t>
+            </a:r>
+          </a:p>
+          <a:p>
+            <a:pPr algn="l">
+              <a:buFont typeface="Arial" panose="020B0604020202020204" pitchFamily="34" charset="0"/>
+              <a:buChar char="•"/>
+            </a:pPr>
+            <a:r>
+              <a:rPr lang="en" altLang="ko-Kore-KR" b="0" i="0" dirty="0">
+                <a:solidFill>
+                  <a:srgbClr val="E6EDF3"/>
+                </a:solidFill>
+                <a:effectLst/>
+                <a:latin typeface="+mj-lt"/>
+              </a:rPr>
+              <a:t>Frontend</a:t>
+            </a:r>
+          </a:p>
+          <a:p>
+            <a:pPr marL="742950" lvl="1" indent="-285750" algn="l">
+              <a:buFont typeface="Arial" panose="020B0604020202020204" pitchFamily="34" charset="0"/>
+              <a:buChar char="•"/>
+            </a:pPr>
+            <a:r>
+              <a:rPr lang="en" altLang="ko-Kore-KR" b="0" i="0" dirty="0">
+                <a:solidFill>
+                  <a:srgbClr val="E6EDF3"/>
+                </a:solidFill>
+                <a:effectLst/>
+                <a:latin typeface="+mj-lt"/>
+              </a:rPr>
+              <a:t>Jinja2 Template: </a:t>
+            </a:r>
+            <a:r>
+              <a:rPr lang="ko-KR" altLang="en-US" b="0" i="0" dirty="0">
+                <a:solidFill>
+                  <a:srgbClr val="E6EDF3"/>
+                </a:solidFill>
+                <a:effectLst/>
+                <a:latin typeface="+mj-lt"/>
+              </a:rPr>
+              <a:t>동적으로 웹 페이지를 </a:t>
+            </a:r>
+            <a:r>
+              <a:rPr lang="ko-KR" altLang="en-US" b="0" i="0" dirty="0" err="1">
+                <a:solidFill>
+                  <a:srgbClr val="E6EDF3"/>
+                </a:solidFill>
+                <a:effectLst/>
+                <a:latin typeface="+mj-lt"/>
+              </a:rPr>
+              <a:t>로드하는</a:t>
+            </a:r>
+            <a:r>
+              <a:rPr lang="ko-KR" altLang="en-US" b="0" i="0" dirty="0">
+                <a:solidFill>
+                  <a:srgbClr val="E6EDF3"/>
+                </a:solidFill>
+                <a:effectLst/>
+                <a:latin typeface="+mj-lt"/>
+              </a:rPr>
+              <a:t> 데 사용되는 템플릿 파일입니다</a:t>
+            </a:r>
+            <a:r>
+              <a:rPr lang="en-US" altLang="ko-KR" b="0" i="0" dirty="0">
+                <a:solidFill>
+                  <a:srgbClr val="E6EDF3"/>
+                </a:solidFill>
+                <a:effectLst/>
+                <a:latin typeface="+mj-lt"/>
+              </a:rPr>
+              <a:t>.</a:t>
+            </a:r>
+          </a:p>
+          <a:p>
+            <a:pPr marL="742950" lvl="1" indent="-285750" algn="l">
+              <a:buFont typeface="Arial" panose="020B0604020202020204" pitchFamily="34" charset="0"/>
+              <a:buChar char="•"/>
+            </a:pPr>
+            <a:r>
+              <a:rPr lang="en" altLang="ko-Kore-KR" b="0" i="0" dirty="0" err="1">
+                <a:solidFill>
+                  <a:srgbClr val="E6EDF3"/>
+                </a:solidFill>
+                <a:effectLst/>
+                <a:latin typeface="+mj-lt"/>
+              </a:rPr>
+              <a:t>Javascript</a:t>
+            </a:r>
+            <a:r>
+              <a:rPr lang="en" altLang="ko-Kore-KR" b="0" i="0" dirty="0">
+                <a:solidFill>
+                  <a:srgbClr val="E6EDF3"/>
+                </a:solidFill>
+                <a:effectLst/>
+                <a:latin typeface="+mj-lt"/>
+              </a:rPr>
+              <a:t>: </a:t>
+            </a:r>
+            <a:r>
+              <a:rPr lang="ko-KR" altLang="en-US" b="0" i="0" dirty="0" err="1">
+                <a:solidFill>
+                  <a:srgbClr val="E6EDF3"/>
+                </a:solidFill>
+                <a:effectLst/>
+                <a:latin typeface="+mj-lt"/>
+              </a:rPr>
+              <a:t>챗봇과의</a:t>
+            </a:r>
+            <a:r>
+              <a:rPr lang="ko-KR" altLang="en-US" b="0" i="0" dirty="0">
+                <a:solidFill>
+                  <a:srgbClr val="E6EDF3"/>
+                </a:solidFill>
+                <a:effectLst/>
+                <a:latin typeface="+mj-lt"/>
+              </a:rPr>
+              <a:t> </a:t>
+            </a:r>
+            <a:r>
+              <a:rPr lang="ko-KR" altLang="en-US" b="0" i="0" dirty="0" err="1">
+                <a:solidFill>
+                  <a:srgbClr val="E6EDF3"/>
+                </a:solidFill>
+                <a:effectLst/>
+                <a:latin typeface="+mj-lt"/>
+              </a:rPr>
+              <a:t>대화창을</a:t>
+            </a:r>
+            <a:r>
+              <a:rPr lang="ko-KR" altLang="en-US" b="0" i="0" dirty="0">
+                <a:solidFill>
+                  <a:srgbClr val="E6EDF3"/>
+                </a:solidFill>
+                <a:effectLst/>
+                <a:latin typeface="+mj-lt"/>
+              </a:rPr>
+              <a:t> 컨트롤하기 위해 </a:t>
+            </a:r>
+            <a:r>
+              <a:rPr lang="en" altLang="ko-Kore-KR" b="0" i="0" dirty="0">
+                <a:solidFill>
+                  <a:srgbClr val="E6EDF3"/>
+                </a:solidFill>
+                <a:effectLst/>
+                <a:latin typeface="+mj-lt"/>
+              </a:rPr>
+              <a:t>HTML Element</a:t>
+            </a:r>
+            <a:r>
+              <a:rPr lang="ko-KR" altLang="en-US" b="0" i="0" dirty="0" err="1">
+                <a:solidFill>
+                  <a:srgbClr val="E6EDF3"/>
+                </a:solidFill>
+                <a:effectLst/>
+                <a:latin typeface="+mj-lt"/>
+              </a:rPr>
+              <a:t>를</a:t>
+            </a:r>
+            <a:r>
+              <a:rPr lang="ko-KR" altLang="en-US" b="0" i="0" dirty="0">
+                <a:solidFill>
+                  <a:srgbClr val="E6EDF3"/>
+                </a:solidFill>
+                <a:effectLst/>
+                <a:latin typeface="+mj-lt"/>
+              </a:rPr>
+              <a:t> 다루어야 합니다</a:t>
+            </a:r>
+            <a:r>
+              <a:rPr lang="en-US" altLang="ko-KR" b="0" i="0" dirty="0">
+                <a:solidFill>
+                  <a:srgbClr val="E6EDF3"/>
+                </a:solidFill>
+                <a:effectLst/>
+                <a:latin typeface="+mj-lt"/>
+              </a:rPr>
+              <a:t>. </a:t>
+            </a:r>
+            <a:r>
+              <a:rPr lang="ko-KR" altLang="en-US" b="0" i="0" dirty="0">
+                <a:solidFill>
+                  <a:srgbClr val="E6EDF3"/>
+                </a:solidFill>
+                <a:effectLst/>
+                <a:latin typeface="+mj-lt"/>
+              </a:rPr>
+              <a:t>이때 </a:t>
+            </a:r>
+            <a:r>
+              <a:rPr lang="en" altLang="ko-Kore-KR" b="0" i="0" dirty="0">
+                <a:solidFill>
+                  <a:srgbClr val="E6EDF3"/>
+                </a:solidFill>
+                <a:effectLst/>
+                <a:latin typeface="+mj-lt"/>
+              </a:rPr>
+              <a:t>JS</a:t>
+            </a:r>
+            <a:r>
+              <a:rPr lang="ko-KR" altLang="en-US" b="0" i="0" dirty="0" err="1">
+                <a:solidFill>
+                  <a:srgbClr val="E6EDF3"/>
+                </a:solidFill>
+                <a:effectLst/>
+                <a:latin typeface="+mj-lt"/>
+              </a:rPr>
+              <a:t>를</a:t>
+            </a:r>
+            <a:r>
+              <a:rPr lang="ko-KR" altLang="en-US" b="0" i="0" dirty="0">
+                <a:solidFill>
+                  <a:srgbClr val="E6EDF3"/>
+                </a:solidFill>
+                <a:effectLst/>
+                <a:latin typeface="+mj-lt"/>
+              </a:rPr>
+              <a:t> 사용할 예정입니다</a:t>
+            </a:r>
+            <a:r>
+              <a:rPr lang="en-US" altLang="ko-KR" b="0" i="0" dirty="0">
+                <a:solidFill>
+                  <a:srgbClr val="E6EDF3"/>
+                </a:solidFill>
+                <a:effectLst/>
+                <a:latin typeface="+mj-lt"/>
+              </a:rPr>
+              <a:t>.</a:t>
+            </a:r>
+          </a:p>
+          <a:p>
+            <a:br>
+              <a:rPr lang="ko-KR" altLang="en-US" dirty="0">
+                <a:latin typeface="+mj-lt"/>
+              </a:rPr>
+            </a:br>
+            <a:endParaRPr dirty="0">
+              <a:latin typeface="+mj-lt"/>
+            </a:endParaRPr>
           </a:p>
         </p:txBody>
       </p:sp>
@@ -1208,16 +1938,437 @@
           </a:bodyPr>
           <a:lstStyle/>
           <a:p>
-            <a:pPr marL="0" lvl="0" indent="0" algn="l" rtl="0">
-              <a:spcBef>
-                <a:spcPts val="0"/>
-              </a:spcBef>
-              <a:spcAft>
-                <a:spcPts val="0"/>
-              </a:spcAft>
-              <a:buNone/>
-            </a:pPr>
-            <a:endParaRPr/>
+            <a:pPr algn="l"/>
+            <a:r>
+              <a:rPr lang="ko-KR" altLang="en-US" b="0" i="0" dirty="0" err="1">
+                <a:solidFill>
+                  <a:srgbClr val="E6EDF3"/>
+                </a:solidFill>
+                <a:effectLst/>
+                <a:latin typeface="+mj-lt"/>
+              </a:rPr>
+              <a:t>깃허브</a:t>
+            </a:r>
+            <a:r>
+              <a:rPr lang="ko-KR" altLang="en-US" b="0" i="0" dirty="0">
+                <a:solidFill>
+                  <a:srgbClr val="E6EDF3"/>
+                </a:solidFill>
+                <a:effectLst/>
+                <a:latin typeface="+mj-lt"/>
+              </a:rPr>
+              <a:t> 이슈를 활용하면 태그를 사용하여 버그</a:t>
+            </a:r>
+            <a:r>
+              <a:rPr lang="en-US" altLang="ko-KR" b="0" i="0" dirty="0">
+                <a:solidFill>
+                  <a:srgbClr val="E6EDF3"/>
+                </a:solidFill>
+                <a:effectLst/>
+                <a:latin typeface="+mj-lt"/>
+              </a:rPr>
+              <a:t>, </a:t>
+            </a:r>
+            <a:r>
+              <a:rPr lang="ko-KR" altLang="en-US" b="0" i="0" dirty="0">
+                <a:solidFill>
+                  <a:srgbClr val="E6EDF3"/>
+                </a:solidFill>
+                <a:effectLst/>
+                <a:latin typeface="+mj-lt"/>
+              </a:rPr>
+              <a:t>기능추가</a:t>
+            </a:r>
+            <a:r>
+              <a:rPr lang="en-US" altLang="ko-KR" b="0" i="0" dirty="0">
+                <a:solidFill>
+                  <a:srgbClr val="E6EDF3"/>
+                </a:solidFill>
+                <a:effectLst/>
+                <a:latin typeface="+mj-lt"/>
+              </a:rPr>
+              <a:t>, </a:t>
+            </a:r>
+            <a:r>
+              <a:rPr lang="ko-KR" altLang="en-US" b="0" i="0" dirty="0">
+                <a:solidFill>
+                  <a:srgbClr val="E6EDF3"/>
+                </a:solidFill>
+                <a:effectLst/>
+                <a:latin typeface="+mj-lt"/>
+              </a:rPr>
+              <a:t>할 일과 같은 다양한 관심사를 한 눈에 볼 수 있습니다</a:t>
+            </a:r>
+            <a:r>
+              <a:rPr lang="en-US" altLang="ko-KR" b="0" i="0" dirty="0">
+                <a:solidFill>
+                  <a:srgbClr val="E6EDF3"/>
+                </a:solidFill>
+                <a:effectLst/>
+                <a:latin typeface="+mj-lt"/>
+              </a:rPr>
+              <a:t>. </a:t>
+            </a:r>
+            <a:r>
+              <a:rPr lang="ko-KR" altLang="en-US" b="0" i="0" dirty="0" err="1">
+                <a:solidFill>
+                  <a:srgbClr val="E6EDF3"/>
+                </a:solidFill>
+                <a:effectLst/>
+                <a:latin typeface="+mj-lt"/>
+              </a:rPr>
+              <a:t>커밋과</a:t>
+            </a:r>
+            <a:r>
+              <a:rPr lang="ko-KR" altLang="en-US" b="0" i="0" dirty="0">
+                <a:solidFill>
+                  <a:srgbClr val="E6EDF3"/>
+                </a:solidFill>
+                <a:effectLst/>
+                <a:latin typeface="+mj-lt"/>
+              </a:rPr>
+              <a:t> </a:t>
+            </a:r>
+            <a:r>
+              <a:rPr lang="en" altLang="ko-Kore-KR" b="0" i="0" dirty="0">
+                <a:solidFill>
+                  <a:srgbClr val="E6EDF3"/>
+                </a:solidFill>
+                <a:effectLst/>
+                <a:latin typeface="+mj-lt"/>
+              </a:rPr>
+              <a:t>Pull Request</a:t>
+            </a:r>
+            <a:r>
+              <a:rPr lang="ko-KR" altLang="en-US" b="0" i="0" dirty="0" err="1">
+                <a:solidFill>
+                  <a:srgbClr val="E6EDF3"/>
+                </a:solidFill>
+                <a:effectLst/>
+                <a:latin typeface="+mj-lt"/>
+              </a:rPr>
+              <a:t>를</a:t>
+            </a:r>
+            <a:r>
+              <a:rPr lang="ko-KR" altLang="en-US" b="0" i="0" dirty="0">
+                <a:solidFill>
+                  <a:srgbClr val="E6EDF3"/>
+                </a:solidFill>
+                <a:effectLst/>
+                <a:latin typeface="+mj-lt"/>
+              </a:rPr>
+              <a:t> 자유롭게 링크하여 빠른 참조가 가능하며</a:t>
+            </a:r>
+            <a:r>
+              <a:rPr lang="en-US" altLang="ko-KR" b="0" i="0" dirty="0">
+                <a:solidFill>
+                  <a:srgbClr val="E6EDF3"/>
+                </a:solidFill>
+                <a:effectLst/>
+                <a:latin typeface="+mj-lt"/>
+              </a:rPr>
+              <a:t>, </a:t>
+            </a:r>
+            <a:r>
+              <a:rPr lang="ko-KR" altLang="en-US" b="0" i="0" dirty="0" err="1">
+                <a:solidFill>
+                  <a:srgbClr val="E6EDF3"/>
+                </a:solidFill>
+                <a:effectLst/>
+                <a:latin typeface="+mj-lt"/>
+              </a:rPr>
+              <a:t>백링크</a:t>
+            </a:r>
+            <a:r>
+              <a:rPr lang="ko-KR" altLang="en-US" b="0" i="0" dirty="0">
+                <a:solidFill>
+                  <a:srgbClr val="E6EDF3"/>
+                </a:solidFill>
+                <a:effectLst/>
+                <a:latin typeface="+mj-lt"/>
+              </a:rPr>
+              <a:t> 기능을 통해 해당 이슈를 언급한 다른 이슈나 </a:t>
+            </a:r>
+            <a:r>
+              <a:rPr lang="en" altLang="ko-Kore-KR" b="0" i="0" dirty="0">
+                <a:solidFill>
+                  <a:srgbClr val="E6EDF3"/>
+                </a:solidFill>
+                <a:effectLst/>
+                <a:latin typeface="+mj-lt"/>
+              </a:rPr>
+              <a:t>PR, </a:t>
+            </a:r>
+            <a:r>
+              <a:rPr lang="ko-KR" altLang="en-US" b="0" i="0" dirty="0" err="1">
+                <a:solidFill>
+                  <a:srgbClr val="E6EDF3"/>
+                </a:solidFill>
+                <a:effectLst/>
+                <a:latin typeface="+mj-lt"/>
+              </a:rPr>
+              <a:t>커밋을</a:t>
+            </a:r>
+            <a:r>
+              <a:rPr lang="ko-KR" altLang="en-US" b="0" i="0" dirty="0">
+                <a:solidFill>
+                  <a:srgbClr val="E6EDF3"/>
+                </a:solidFill>
+                <a:effectLst/>
+                <a:latin typeface="+mj-lt"/>
+              </a:rPr>
+              <a:t> 되짚어 올라갈 수도 있습니다</a:t>
+            </a:r>
+            <a:r>
+              <a:rPr lang="en-US" altLang="ko-KR" b="0" i="0" dirty="0">
+                <a:solidFill>
+                  <a:srgbClr val="E6EDF3"/>
+                </a:solidFill>
+                <a:effectLst/>
+                <a:latin typeface="+mj-lt"/>
+              </a:rPr>
+              <a:t>.</a:t>
+            </a:r>
+          </a:p>
+          <a:p>
+            <a:br>
+              <a:rPr lang="ko-KR" altLang="en-US" dirty="0">
+                <a:latin typeface="+mj-lt"/>
+              </a:rPr>
+            </a:br>
+            <a:r>
+              <a:rPr lang="en" altLang="ko-Kore-KR" b="0" i="0" dirty="0">
+                <a:solidFill>
+                  <a:srgbClr val="E6EDF3"/>
+                </a:solidFill>
+                <a:effectLst/>
+                <a:latin typeface="+mj-lt"/>
+              </a:rPr>
+              <a:t>PR</a:t>
+            </a:r>
+            <a:r>
+              <a:rPr lang="ko-KR" altLang="en-US" b="0" i="0" dirty="0">
+                <a:solidFill>
+                  <a:srgbClr val="E6EDF3"/>
+                </a:solidFill>
+                <a:effectLst/>
+                <a:latin typeface="+mj-lt"/>
+              </a:rPr>
+              <a:t>은 </a:t>
+            </a:r>
+            <a:r>
+              <a:rPr lang="ko-KR" altLang="en-US" b="0" i="0" dirty="0" err="1">
+                <a:solidFill>
+                  <a:srgbClr val="E6EDF3"/>
+                </a:solidFill>
+                <a:effectLst/>
+                <a:latin typeface="+mj-lt"/>
+              </a:rPr>
+              <a:t>여러명이</a:t>
+            </a:r>
+            <a:r>
+              <a:rPr lang="ko-KR" altLang="en-US" b="0" i="0" dirty="0">
+                <a:solidFill>
+                  <a:srgbClr val="E6EDF3"/>
+                </a:solidFill>
+                <a:effectLst/>
+                <a:latin typeface="+mj-lt"/>
+              </a:rPr>
+              <a:t> 동시에 하나의 프로젝트를 수정하는 상황에서 발생할 수 있는 다양한 충돌을 </a:t>
+            </a:r>
+            <a:r>
+              <a:rPr lang="en" altLang="ko-Kore-KR" b="0" i="0" dirty="0">
+                <a:solidFill>
+                  <a:srgbClr val="E6EDF3"/>
+                </a:solidFill>
+                <a:effectLst/>
+                <a:latin typeface="+mj-lt"/>
+              </a:rPr>
+              <a:t>main </a:t>
+            </a:r>
+            <a:r>
+              <a:rPr lang="ko-KR" altLang="en-US" b="0" i="0" dirty="0" err="1">
+                <a:solidFill>
+                  <a:srgbClr val="E6EDF3"/>
+                </a:solidFill>
+                <a:effectLst/>
+                <a:latin typeface="+mj-lt"/>
+              </a:rPr>
+              <a:t>브랜치가</a:t>
+            </a:r>
+            <a:r>
+              <a:rPr lang="ko-KR" altLang="en-US" b="0" i="0" dirty="0">
+                <a:solidFill>
+                  <a:srgbClr val="E6EDF3"/>
+                </a:solidFill>
+                <a:effectLst/>
+                <a:latin typeface="+mj-lt"/>
+              </a:rPr>
+              <a:t> 아닌 개인 </a:t>
+            </a:r>
+            <a:r>
+              <a:rPr lang="ko-KR" altLang="en-US" b="0" i="0" dirty="0" err="1">
+                <a:solidFill>
+                  <a:srgbClr val="E6EDF3"/>
+                </a:solidFill>
+                <a:effectLst/>
+                <a:latin typeface="+mj-lt"/>
+              </a:rPr>
+              <a:t>브랜치에서</a:t>
+            </a:r>
+            <a:r>
+              <a:rPr lang="ko-KR" altLang="en-US" b="0" i="0" dirty="0">
+                <a:solidFill>
+                  <a:srgbClr val="E6EDF3"/>
+                </a:solidFill>
+                <a:effectLst/>
+                <a:latin typeface="+mj-lt"/>
+              </a:rPr>
+              <a:t> 해결하도록 강요하는 방법입니다</a:t>
+            </a:r>
+            <a:r>
+              <a:rPr lang="en-US" altLang="ko-KR" b="0" i="0" dirty="0">
+                <a:solidFill>
+                  <a:srgbClr val="E6EDF3"/>
+                </a:solidFill>
+                <a:effectLst/>
+                <a:latin typeface="+mj-lt"/>
+              </a:rPr>
+              <a:t>. </a:t>
+            </a:r>
+            <a:r>
+              <a:rPr lang="ko-KR" altLang="en-US" b="0" i="0" dirty="0">
+                <a:solidFill>
+                  <a:srgbClr val="E6EDF3"/>
+                </a:solidFill>
+                <a:effectLst/>
+                <a:latin typeface="+mj-lt"/>
+              </a:rPr>
+              <a:t>따라서 </a:t>
+            </a:r>
+            <a:r>
+              <a:rPr lang="en" altLang="ko-Kore-KR" b="0" i="0" dirty="0">
+                <a:solidFill>
+                  <a:srgbClr val="E6EDF3"/>
+                </a:solidFill>
+                <a:effectLst/>
+                <a:latin typeface="+mj-lt"/>
+              </a:rPr>
+              <a:t>main </a:t>
+            </a:r>
+            <a:r>
+              <a:rPr lang="ko-KR" altLang="en-US" b="0" i="0" dirty="0" err="1">
+                <a:solidFill>
+                  <a:srgbClr val="E6EDF3"/>
+                </a:solidFill>
+                <a:effectLst/>
+                <a:latin typeface="+mj-lt"/>
+              </a:rPr>
+              <a:t>브랜치는</a:t>
+            </a:r>
+            <a:r>
+              <a:rPr lang="ko-KR" altLang="en-US" b="0" i="0" dirty="0">
+                <a:solidFill>
+                  <a:srgbClr val="E6EDF3"/>
+                </a:solidFill>
+                <a:effectLst/>
+                <a:latin typeface="+mj-lt"/>
+              </a:rPr>
+              <a:t> 항상 동작하는 코드만 올라올 수 있습니다</a:t>
+            </a:r>
+            <a:r>
+              <a:rPr lang="en-US" altLang="ko-KR" b="0" i="0" dirty="0">
+                <a:solidFill>
+                  <a:srgbClr val="E6EDF3"/>
+                </a:solidFill>
+                <a:effectLst/>
+                <a:latin typeface="+mj-lt"/>
+              </a:rPr>
+              <a:t>. </a:t>
+            </a:r>
+            <a:r>
+              <a:rPr lang="en" altLang="ko-Kore-KR" b="0" i="0" dirty="0">
+                <a:solidFill>
+                  <a:srgbClr val="E6EDF3"/>
+                </a:solidFill>
+                <a:effectLst/>
+                <a:latin typeface="+mj-lt"/>
+              </a:rPr>
+              <a:t>PR</a:t>
+            </a:r>
+            <a:r>
+              <a:rPr lang="ko-KR" altLang="en-US" b="0" i="0" dirty="0">
+                <a:solidFill>
+                  <a:srgbClr val="E6EDF3"/>
+                </a:solidFill>
+                <a:effectLst/>
+                <a:latin typeface="+mj-lt"/>
+              </a:rPr>
+              <a:t>의 범위를 기능 하나로 축소하여 빠른 구현 </a:t>
+            </a:r>
+            <a:r>
+              <a:rPr lang="ko-KR" altLang="en-US" b="0" i="0" dirty="0" err="1">
+                <a:solidFill>
+                  <a:srgbClr val="E6EDF3"/>
+                </a:solidFill>
+                <a:effectLst/>
+                <a:latin typeface="+mj-lt"/>
+              </a:rPr>
+              <a:t>이터레이션이</a:t>
+            </a:r>
+            <a:r>
+              <a:rPr lang="ko-KR" altLang="en-US" b="0" i="0" dirty="0">
+                <a:solidFill>
+                  <a:srgbClr val="E6EDF3"/>
+                </a:solidFill>
+                <a:effectLst/>
+                <a:latin typeface="+mj-lt"/>
+              </a:rPr>
+              <a:t> 가능하며</a:t>
+            </a:r>
+            <a:r>
+              <a:rPr lang="en-US" altLang="ko-KR" b="0" i="0" dirty="0">
+                <a:solidFill>
+                  <a:srgbClr val="E6EDF3"/>
+                </a:solidFill>
+                <a:effectLst/>
+                <a:latin typeface="+mj-lt"/>
+              </a:rPr>
+              <a:t>, </a:t>
+            </a:r>
+            <a:r>
+              <a:rPr lang="ko-KR" altLang="en-US" b="0" i="0" dirty="0" err="1">
+                <a:solidFill>
+                  <a:srgbClr val="E6EDF3"/>
+                </a:solidFill>
+                <a:effectLst/>
+                <a:latin typeface="+mj-lt"/>
+              </a:rPr>
+              <a:t>구현현황</a:t>
+            </a:r>
+            <a:r>
+              <a:rPr lang="ko-KR" altLang="en-US" b="0" i="0" dirty="0">
+                <a:solidFill>
+                  <a:srgbClr val="E6EDF3"/>
+                </a:solidFill>
+                <a:effectLst/>
+                <a:latin typeface="+mj-lt"/>
+              </a:rPr>
+              <a:t> 체크가 용이해집니다</a:t>
+            </a:r>
+            <a:r>
+              <a:rPr lang="en-US" altLang="ko-KR" b="0" i="0" dirty="0">
+                <a:solidFill>
+                  <a:srgbClr val="E6EDF3"/>
+                </a:solidFill>
+                <a:effectLst/>
+                <a:latin typeface="+mj-lt"/>
+              </a:rPr>
+              <a:t>.</a:t>
+            </a:r>
+            <a:endParaRPr dirty="0">
+              <a:latin typeface="+mj-lt"/>
+            </a:endParaRPr>
           </a:p>
         </p:txBody>
       </p:sp>
@@ -5202,9 +6353,12 @@
           <a:lstStyle/>
           <a:p>
             <a:r>
-              <a:rPr lang="ko-Kore-KR" altLang="en-US" dirty="0"/>
+              <a:rPr lang="ko-Kore-KR" altLang="en-US" dirty="0">
+                <a:hlinkClick r:id="rId3"/>
+              </a:rPr>
               <a:t>https://www.figma.com/file/eS8ZOAd7RTTPHIzGj8Pw7V/WEEK00-7%EC%A1%B0?type=design&amp;node-id=0-1&amp;mode=design&amp;t=rDJIFfdAgWu4CYYg-0</a:t>
             </a:r>
+            <a:endParaRPr lang="ko-Kore-KR" altLang="en-US" dirty="0"/>
           </a:p>
         </p:txBody>
       </p:sp>
